--- a/PerpPoster.pptx
+++ b/PerpPoster.pptx
@@ -3340,39 +3340,6 @@
             <a:bodyPr lIns="457200" tIns="457200" rIns="457200" bIns="457200" rtlCol="0" anchor="t"/>
             <a:lstStyle/>
             <a:p>
-              <a:pPr algn="just"/>
-              <a:r>
-                <a:rPr lang="en-US" sz="4400" dirty="0">
-                  <a:solidFill>
-                    <a:srgbClr val="000000"/>
-                  </a:solidFill>
-                  <a:latin typeface="BentonSans-Book"/>
-                </a:rPr>
-                <a:t>Air quality monitoring has become a necessity as rapid industrialization and urbanization threatens our cities and surroundings. In particular, high ozone levels may damage lungs and inflame chronic respiratory diseases. </a:t>
-              </a:r>
-            </a:p>
-            <a:p>
-              <a:pPr algn="just"/>
-              <a:endParaRPr lang="en-US" sz="4400" dirty="0">
-                <a:solidFill>
-                  <a:srgbClr val="000000"/>
-                </a:solidFill>
-                <a:latin typeface="BentonSans-Book"/>
-              </a:endParaRPr>
-            </a:p>
-            <a:p>
-              <a:pPr algn="just"/>
-              <a:r>
-                <a:rPr lang="en-US" sz="4400" dirty="0">
-                  <a:solidFill>
-                    <a:srgbClr val="000000"/>
-                  </a:solidFill>
-                  <a:latin typeface="BentonSans-Book"/>
-                </a:rPr>
-                <a:t>The US EPA had developed an array of methods and instrumentation that while accurate are not affordable or practical for most individuals or small government entities. </a:t>
-              </a:r>
-            </a:p>
-            <a:p>
               <a:pPr algn="ctr"/>
               <a:endParaRPr lang="en-US" dirty="0"/>
             </a:p>
@@ -3436,7 +3403,7 @@
                   <a:ea typeface="Verdana" panose="020B0604030504040204" pitchFamily="34" charset="0"/>
                   <a:cs typeface="Verdana" panose="020B0604030504040204" pitchFamily="34" charset="0"/>
                 </a:rPr>
-                <a:t>Clean Air </a:t>
+                <a:t>Problem Statement</a:t>
               </a:r>
             </a:p>
           </p:txBody>
@@ -3451,9 +3418,9 @@
         <p:grpSpPr>
           <a:xfrm>
             <a:off x="16785159" y="5340684"/>
-            <a:ext cx="12727527" cy="13662934"/>
+            <a:ext cx="12727527" cy="13633436"/>
             <a:chOff x="18051245" y="16572056"/>
-            <a:chExt cx="12339281" cy="13043757"/>
+            <a:chExt cx="12339281" cy="13015596"/>
           </a:xfrm>
         </p:grpSpPr>
         <p:sp>
@@ -3464,7 +3431,7 @@
           </p:nvSpPr>
           <p:spPr>
             <a:xfrm>
-              <a:off x="18051245" y="18557792"/>
+              <a:off x="18051245" y="18529631"/>
               <a:ext cx="12339281" cy="11058021"/>
             </a:xfrm>
             <a:prstGeom prst="rect">
@@ -3615,863 +3582,12 @@
                   <a:ea typeface="Verdana" panose="020B0604030504040204" pitchFamily="34" charset="0"/>
                   <a:cs typeface="Verdana" panose="020B0604030504040204" pitchFamily="34" charset="0"/>
                 </a:rPr>
-                <a:t>Affordable Science</a:t>
+                <a:t>Data Collection</a:t>
               </a:r>
             </a:p>
           </p:txBody>
         </p:sp>
       </p:grpSp>
-      <p:graphicFrame>
-        <p:nvGraphicFramePr>
-          <p:cNvPr id="77" name="Table 76"/>
-          <p:cNvGraphicFramePr>
-            <a:graphicFrameLocks noGrp="1"/>
-          </p:cNvGraphicFramePr>
-          <p:nvPr>
-            <p:extLst>
-              <p:ext uri="{D42A27DB-BD31-4B8C-83A1-F6EECF244321}">
-                <p14:modId xmlns:p14="http://schemas.microsoft.com/office/powerpoint/2010/main" val="226656198"/>
-              </p:ext>
-            </p:extLst>
-          </p:nvPr>
-        </p:nvGraphicFramePr>
-        <p:xfrm>
-          <a:off x="16785158" y="21446541"/>
-          <a:ext cx="12727528" cy="5551011"/>
-        </p:xfrm>
-        <a:graphic>
-          <a:graphicData uri="http://schemas.openxmlformats.org/drawingml/2006/table">
-            <a:tbl>
-              <a:tblPr firstRow="1" bandRow="1">
-                <a:tableStyleId>{5C22544A-7EE6-4342-B048-85BDC9FD1C3A}</a:tableStyleId>
-              </a:tblPr>
-              <a:tblGrid>
-                <a:gridCol w="3181882">
-                  <a:extLst>
-                    <a:ext uri="{9D8B030D-6E8A-4147-A177-3AD203B41FA5}">
-                      <a16:colId xmlns:a16="http://schemas.microsoft.com/office/drawing/2014/main" val="2376014576"/>
-                    </a:ext>
-                  </a:extLst>
-                </a:gridCol>
-                <a:gridCol w="3181882">
-                  <a:extLst>
-                    <a:ext uri="{9D8B030D-6E8A-4147-A177-3AD203B41FA5}">
-                      <a16:colId xmlns:a16="http://schemas.microsoft.com/office/drawing/2014/main" val="4094630942"/>
-                    </a:ext>
-                  </a:extLst>
-                </a:gridCol>
-                <a:gridCol w="3181882">
-                  <a:extLst>
-                    <a:ext uri="{9D8B030D-6E8A-4147-A177-3AD203B41FA5}">
-                      <a16:colId xmlns:a16="http://schemas.microsoft.com/office/drawing/2014/main" val="2672719910"/>
-                    </a:ext>
-                  </a:extLst>
-                </a:gridCol>
-                <a:gridCol w="3181882">
-                  <a:extLst>
-                    <a:ext uri="{9D8B030D-6E8A-4147-A177-3AD203B41FA5}">
-                      <a16:colId xmlns:a16="http://schemas.microsoft.com/office/drawing/2014/main" val="2764282346"/>
-                    </a:ext>
-                  </a:extLst>
-                </a:gridCol>
-              </a:tblGrid>
-              <a:tr h="1047361">
-                <a:tc>
-                  <a:txBody>
-                    <a:bodyPr/>
-                    <a:lstStyle/>
-                    <a:p>
-                      <a:pPr algn="ctr"/>
-                      <a:r>
-                        <a:rPr lang="en-US" sz="5400" u="sng" dirty="0">
-                          <a:latin typeface="Verdana" panose="020B0604030504040204" pitchFamily="34" charset="0"/>
-                          <a:ea typeface="Verdana" panose="020B0604030504040204" pitchFamily="34" charset="0"/>
-                          <a:cs typeface="Verdana" panose="020B0604030504040204" pitchFamily="34" charset="0"/>
-                        </a:rPr>
-                        <a:t>Pros</a:t>
-                      </a:r>
-                    </a:p>
-                  </a:txBody>
-                  <a:tcPr>
-                    <a:lnL w="12700" cap="flat" cmpd="sng" algn="ctr">
-                      <a:solidFill>
-                        <a:schemeClr val="tx1"/>
-                      </a:solidFill>
-                      <a:prstDash val="solid"/>
-                      <a:round/>
-                      <a:headEnd type="none" w="med" len="med"/>
-                      <a:tailEnd type="none" w="med" len="med"/>
-                    </a:lnL>
-                    <a:lnR w="12700" cap="flat" cmpd="sng" algn="ctr">
-                      <a:noFill/>
-                      <a:prstDash val="solid"/>
-                      <a:round/>
-                      <a:headEnd type="none" w="med" len="med"/>
-                      <a:tailEnd type="none" w="med" len="med"/>
-                    </a:lnR>
-                    <a:lnT w="12700" cap="flat" cmpd="sng" algn="ctr">
-                      <a:noFill/>
-                      <a:prstDash val="solid"/>
-                      <a:round/>
-                      <a:headEnd type="none" w="med" len="med"/>
-                      <a:tailEnd type="none" w="med" len="med"/>
-                    </a:lnT>
-                    <a:lnB w="12700" cap="flat" cmpd="sng" algn="ctr">
-                      <a:noFill/>
-                      <a:prstDash val="solid"/>
-                      <a:round/>
-                      <a:headEnd type="none" w="med" len="med"/>
-                      <a:tailEnd type="none" w="med" len="med"/>
-                    </a:lnB>
-                    <a:lnTlToBr w="12700" cmpd="sng">
-                      <a:noFill/>
-                      <a:prstDash val="solid"/>
-                    </a:lnTlToBr>
-                    <a:lnBlToTr w="12700" cmpd="sng">
-                      <a:noFill/>
-                      <a:prstDash val="solid"/>
-                    </a:lnBlToTr>
-                    <a:solidFill>
-                      <a:srgbClr val="008543"/>
-                    </a:solidFill>
-                  </a:tcPr>
-                </a:tc>
-                <a:tc>
-                  <a:txBody>
-                    <a:bodyPr/>
-                    <a:lstStyle/>
-                    <a:p>
-                      <a:pPr algn="ctr"/>
-                      <a:r>
-                        <a:rPr lang="en-US" sz="5400" u="sng" dirty="0">
-                          <a:latin typeface="Verdana" panose="020B0604030504040204" pitchFamily="34" charset="0"/>
-                          <a:ea typeface="Verdana" panose="020B0604030504040204" pitchFamily="34" charset="0"/>
-                          <a:cs typeface="Verdana" panose="020B0604030504040204" pitchFamily="34" charset="0"/>
-                        </a:rPr>
-                        <a:t>Cons</a:t>
-                      </a:r>
-                    </a:p>
-                  </a:txBody>
-                  <a:tcPr>
-                    <a:lnL w="12700" cap="flat" cmpd="sng" algn="ctr">
-                      <a:noFill/>
-                      <a:prstDash val="solid"/>
-                      <a:round/>
-                      <a:headEnd type="none" w="med" len="med"/>
-                      <a:tailEnd type="none" w="med" len="med"/>
-                    </a:lnL>
-                    <a:lnR w="12700" cap="flat" cmpd="sng" algn="ctr">
-                      <a:noFill/>
-                      <a:prstDash val="solid"/>
-                      <a:round/>
-                      <a:headEnd type="none" w="med" len="med"/>
-                      <a:tailEnd type="none" w="med" len="med"/>
-                    </a:lnR>
-                    <a:lnT w="12700" cap="flat" cmpd="sng" algn="ctr">
-                      <a:noFill/>
-                      <a:prstDash val="solid"/>
-                      <a:round/>
-                      <a:headEnd type="none" w="med" len="med"/>
-                      <a:tailEnd type="none" w="med" len="med"/>
-                    </a:lnT>
-                    <a:lnB w="12700" cap="flat" cmpd="sng" algn="ctr">
-                      <a:noFill/>
-                      <a:prstDash val="solid"/>
-                      <a:round/>
-                      <a:headEnd type="none" w="med" len="med"/>
-                      <a:tailEnd type="none" w="med" len="med"/>
-                    </a:lnB>
-                    <a:lnTlToBr w="12700" cmpd="sng">
-                      <a:noFill/>
-                      <a:prstDash val="solid"/>
-                    </a:lnTlToBr>
-                    <a:lnBlToTr w="12700" cmpd="sng">
-                      <a:noFill/>
-                      <a:prstDash val="solid"/>
-                    </a:lnBlToTr>
-                    <a:solidFill>
-                      <a:srgbClr val="008543"/>
-                    </a:solidFill>
-                  </a:tcPr>
-                </a:tc>
-                <a:tc>
-                  <a:txBody>
-                    <a:bodyPr/>
-                    <a:lstStyle/>
-                    <a:p>
-                      <a:pPr algn="ctr"/>
-                      <a:r>
-                        <a:rPr lang="en-US" sz="5400" u="sng" dirty="0">
-                          <a:latin typeface="Verdana" panose="020B0604030504040204" pitchFamily="34" charset="0"/>
-                          <a:ea typeface="Verdana" panose="020B0604030504040204" pitchFamily="34" charset="0"/>
-                          <a:cs typeface="Verdana" panose="020B0604030504040204" pitchFamily="34" charset="0"/>
-                        </a:rPr>
-                        <a:t>Pros</a:t>
-                      </a:r>
-                    </a:p>
-                  </a:txBody>
-                  <a:tcPr>
-                    <a:lnL w="12700" cap="flat" cmpd="sng" algn="ctr">
-                      <a:noFill/>
-                      <a:prstDash val="solid"/>
-                      <a:round/>
-                      <a:headEnd type="none" w="med" len="med"/>
-                      <a:tailEnd type="none" w="med" len="med"/>
-                    </a:lnL>
-                    <a:lnR w="12700" cap="flat" cmpd="sng" algn="ctr">
-                      <a:noFill/>
-                      <a:prstDash val="solid"/>
-                      <a:round/>
-                      <a:headEnd type="none" w="med" len="med"/>
-                      <a:tailEnd type="none" w="med" len="med"/>
-                    </a:lnR>
-                    <a:lnT w="12700" cap="flat" cmpd="sng" algn="ctr">
-                      <a:noFill/>
-                      <a:prstDash val="solid"/>
-                      <a:round/>
-                      <a:headEnd type="none" w="med" len="med"/>
-                      <a:tailEnd type="none" w="med" len="med"/>
-                    </a:lnT>
-                    <a:lnB w="12700" cap="flat" cmpd="sng" algn="ctr">
-                      <a:noFill/>
-                      <a:prstDash val="solid"/>
-                      <a:round/>
-                      <a:headEnd type="none" w="med" len="med"/>
-                      <a:tailEnd type="none" w="med" len="med"/>
-                    </a:lnB>
-                    <a:lnTlToBr w="12700" cmpd="sng">
-                      <a:noFill/>
-                      <a:prstDash val="solid"/>
-                    </a:lnTlToBr>
-                    <a:lnBlToTr w="12700" cmpd="sng">
-                      <a:noFill/>
-                      <a:prstDash val="solid"/>
-                    </a:lnBlToTr>
-                    <a:solidFill>
-                      <a:srgbClr val="008543"/>
-                    </a:solidFill>
-                  </a:tcPr>
-                </a:tc>
-                <a:tc>
-                  <a:txBody>
-                    <a:bodyPr/>
-                    <a:lstStyle/>
-                    <a:p>
-                      <a:pPr algn="ctr"/>
-                      <a:r>
-                        <a:rPr lang="en-US" sz="5400" u="sng" dirty="0">
-                          <a:latin typeface="Verdana" panose="020B0604030504040204" pitchFamily="34" charset="0"/>
-                          <a:ea typeface="Verdana" panose="020B0604030504040204" pitchFamily="34" charset="0"/>
-                          <a:cs typeface="Verdana" panose="020B0604030504040204" pitchFamily="34" charset="0"/>
-                        </a:rPr>
-                        <a:t>Cons</a:t>
-                      </a:r>
-                    </a:p>
-                  </a:txBody>
-                  <a:tcPr>
-                    <a:lnL w="12700" cap="flat" cmpd="sng" algn="ctr">
-                      <a:noFill/>
-                      <a:prstDash val="solid"/>
-                      <a:round/>
-                      <a:headEnd type="none" w="med" len="med"/>
-                      <a:tailEnd type="none" w="med" len="med"/>
-                    </a:lnL>
-                    <a:lnR w="12700" cap="flat" cmpd="sng" algn="ctr">
-                      <a:solidFill>
-                        <a:schemeClr val="tx1"/>
-                      </a:solidFill>
-                      <a:prstDash val="solid"/>
-                      <a:round/>
-                      <a:headEnd type="none" w="med" len="med"/>
-                      <a:tailEnd type="none" w="med" len="med"/>
-                    </a:lnR>
-                    <a:lnT w="12700" cap="flat" cmpd="sng" algn="ctr">
-                      <a:noFill/>
-                      <a:prstDash val="solid"/>
-                      <a:round/>
-                      <a:headEnd type="none" w="med" len="med"/>
-                      <a:tailEnd type="none" w="med" len="med"/>
-                    </a:lnT>
-                    <a:lnB w="12700" cap="flat" cmpd="sng" algn="ctr">
-                      <a:noFill/>
-                      <a:prstDash val="solid"/>
-                      <a:round/>
-                      <a:headEnd type="none" w="med" len="med"/>
-                      <a:tailEnd type="none" w="med" len="med"/>
-                    </a:lnB>
-                    <a:lnTlToBr w="12700" cmpd="sng">
-                      <a:noFill/>
-                      <a:prstDash val="solid"/>
-                    </a:lnTlToBr>
-                    <a:lnBlToTr w="12700" cmpd="sng">
-                      <a:noFill/>
-                      <a:prstDash val="solid"/>
-                    </a:lnBlToTr>
-                    <a:solidFill>
-                      <a:srgbClr val="008543"/>
-                    </a:solidFill>
-                  </a:tcPr>
-                </a:tc>
-                <a:extLst>
-                  <a:ext uri="{0D108BD9-81ED-4DB2-BD59-A6C34878D82A}">
-                    <a16:rowId xmlns:a16="http://schemas.microsoft.com/office/drawing/2014/main" val="1111910696"/>
-                  </a:ext>
-                </a:extLst>
-              </a:tr>
-              <a:tr h="4503650">
-                <a:tc>
-                  <a:txBody>
-                    <a:bodyPr/>
-                    <a:lstStyle/>
-                    <a:p>
-                      <a:pPr algn="ctr">
-                        <a:lnSpc>
-                          <a:spcPct val="100000"/>
-                        </a:lnSpc>
-                      </a:pPr>
-                      <a:r>
-                        <a:rPr lang="en-US" sz="3600" baseline="0" dirty="0">
-                          <a:latin typeface="BentonSans-Book"/>
-                          <a:ea typeface="Verdana" panose="020B0604030504040204" pitchFamily="34" charset="0"/>
-                          <a:cs typeface="Verdana" panose="020B0604030504040204" pitchFamily="34" charset="0"/>
-                        </a:rPr>
-                        <a:t>Cheap</a:t>
-                      </a:r>
-                    </a:p>
-                    <a:p>
-                      <a:pPr algn="ctr">
-                        <a:lnSpc>
-                          <a:spcPct val="100000"/>
-                        </a:lnSpc>
-                      </a:pPr>
-                      <a:endParaRPr lang="en-US" sz="3600" baseline="0" dirty="0">
-                        <a:latin typeface="BentonSans-Book"/>
-                        <a:ea typeface="Verdana" panose="020B0604030504040204" pitchFamily="34" charset="0"/>
-                        <a:cs typeface="Verdana" panose="020B0604030504040204" pitchFamily="34" charset="0"/>
-                      </a:endParaRPr>
-                    </a:p>
-                    <a:p>
-                      <a:pPr algn="ctr">
-                        <a:lnSpc>
-                          <a:spcPct val="100000"/>
-                        </a:lnSpc>
-                      </a:pPr>
-                      <a:r>
-                        <a:rPr lang="en-US" sz="3600" baseline="0" dirty="0">
-                          <a:latin typeface="BentonSans-Book"/>
-                          <a:ea typeface="Verdana" panose="020B0604030504040204" pitchFamily="34" charset="0"/>
-                          <a:cs typeface="Verdana" panose="020B0604030504040204" pitchFamily="34" charset="0"/>
-                        </a:rPr>
-                        <a:t>Low-power</a:t>
-                      </a:r>
-                    </a:p>
-                    <a:p>
-                      <a:pPr algn="ctr">
-                        <a:lnSpc>
-                          <a:spcPct val="100000"/>
-                        </a:lnSpc>
-                      </a:pPr>
-                      <a:endParaRPr lang="en-US" sz="3600" baseline="0" dirty="0">
-                        <a:latin typeface="BentonSans-Book"/>
-                        <a:ea typeface="Verdana" panose="020B0604030504040204" pitchFamily="34" charset="0"/>
-                        <a:cs typeface="Verdana" panose="020B0604030504040204" pitchFamily="34" charset="0"/>
-                      </a:endParaRPr>
-                    </a:p>
-                    <a:p>
-                      <a:pPr algn="ctr">
-                        <a:lnSpc>
-                          <a:spcPct val="100000"/>
-                        </a:lnSpc>
-                      </a:pPr>
-                      <a:r>
-                        <a:rPr lang="en-US" sz="3600" baseline="0" dirty="0">
-                          <a:latin typeface="BentonSans-Book"/>
-                          <a:ea typeface="Verdana" panose="020B0604030504040204" pitchFamily="34" charset="0"/>
-                          <a:cs typeface="Verdana" panose="020B0604030504040204" pitchFamily="34" charset="0"/>
-                        </a:rPr>
-                        <a:t>Portable</a:t>
-                      </a:r>
-                    </a:p>
-                    <a:p>
-                      <a:pPr algn="ctr">
-                        <a:lnSpc>
-                          <a:spcPct val="100000"/>
-                        </a:lnSpc>
-                      </a:pPr>
-                      <a:endParaRPr lang="en-US" sz="3600" baseline="0" dirty="0">
-                        <a:latin typeface="BentonSans-Book"/>
-                        <a:ea typeface="Verdana" panose="020B0604030504040204" pitchFamily="34" charset="0"/>
-                        <a:cs typeface="Verdana" panose="020B0604030504040204" pitchFamily="34" charset="0"/>
-                      </a:endParaRPr>
-                    </a:p>
-                    <a:p>
-                      <a:pPr algn="ctr">
-                        <a:lnSpc>
-                          <a:spcPct val="100000"/>
-                        </a:lnSpc>
-                      </a:pPr>
-                      <a:r>
-                        <a:rPr lang="en-US" sz="3600" baseline="0" dirty="0">
-                          <a:latin typeface="BentonSans-Book"/>
-                          <a:ea typeface="Verdana" panose="020B0604030504040204" pitchFamily="34" charset="0"/>
-                          <a:cs typeface="Verdana" panose="020B0604030504040204" pitchFamily="34" charset="0"/>
-                        </a:rPr>
-                        <a:t>Available</a:t>
-                      </a:r>
-                      <a:endParaRPr lang="en-US" sz="3600" dirty="0">
-                        <a:latin typeface="BentonSans-Book"/>
-                        <a:ea typeface="Verdana" panose="020B0604030504040204" pitchFamily="34" charset="0"/>
-                        <a:cs typeface="Verdana" panose="020B0604030504040204" pitchFamily="34" charset="0"/>
-                      </a:endParaRPr>
-                    </a:p>
-                  </a:txBody>
-                  <a:tcPr>
-                    <a:lnL w="12700" cap="flat" cmpd="sng" algn="ctr">
-                      <a:solidFill>
-                        <a:schemeClr val="tx1"/>
-                      </a:solidFill>
-                      <a:prstDash val="solid"/>
-                      <a:round/>
-                      <a:headEnd type="none" w="med" len="med"/>
-                      <a:tailEnd type="none" w="med" len="med"/>
-                    </a:lnL>
-                    <a:lnR w="12700" cap="flat" cmpd="sng" algn="ctr">
-                      <a:noFill/>
-                      <a:prstDash val="solid"/>
-                      <a:round/>
-                      <a:headEnd type="none" w="med" len="med"/>
-                      <a:tailEnd type="none" w="med" len="med"/>
-                    </a:lnR>
-                    <a:lnT w="12700" cap="flat" cmpd="sng" algn="ctr">
-                      <a:noFill/>
-                      <a:prstDash val="solid"/>
-                      <a:round/>
-                      <a:headEnd type="none" w="med" len="med"/>
-                      <a:tailEnd type="none" w="med" len="med"/>
-                    </a:lnT>
-                    <a:lnB w="12700" cap="flat" cmpd="sng" algn="ctr">
-                      <a:solidFill>
-                        <a:schemeClr val="tx1"/>
-                      </a:solidFill>
-                      <a:prstDash val="solid"/>
-                      <a:round/>
-                      <a:headEnd type="none" w="med" len="med"/>
-                      <a:tailEnd type="none" w="med" len="med"/>
-                    </a:lnB>
-                    <a:lnTlToBr w="12700" cmpd="sng">
-                      <a:noFill/>
-                      <a:prstDash val="solid"/>
-                    </a:lnTlToBr>
-                    <a:lnBlToTr w="12700" cmpd="sng">
-                      <a:noFill/>
-                      <a:prstDash val="solid"/>
-                    </a:lnBlToTr>
-                    <a:solidFill>
-                      <a:schemeClr val="bg1"/>
-                    </a:solidFill>
-                  </a:tcPr>
-                </a:tc>
-                <a:tc>
-                  <a:txBody>
-                    <a:bodyPr/>
-                    <a:lstStyle/>
-                    <a:p>
-                      <a:pPr algn="ctr">
-                        <a:lnSpc>
-                          <a:spcPct val="100000"/>
-                        </a:lnSpc>
-                      </a:pPr>
-                      <a:r>
-                        <a:rPr lang="en-US" sz="3600" dirty="0">
-                          <a:latin typeface="BentonSans-Book"/>
-                          <a:ea typeface="Verdana" panose="020B0604030504040204" pitchFamily="34" charset="0"/>
-                          <a:cs typeface="Verdana" panose="020B0604030504040204" pitchFamily="34" charset="0"/>
-                        </a:rPr>
-                        <a:t>High Drift</a:t>
-                      </a:r>
-                    </a:p>
-                    <a:p>
-                      <a:pPr algn="ctr">
-                        <a:lnSpc>
-                          <a:spcPct val="100000"/>
-                        </a:lnSpc>
-                      </a:pPr>
-                      <a:endParaRPr lang="en-US" sz="3600" dirty="0">
-                        <a:latin typeface="BentonSans-Book"/>
-                        <a:ea typeface="Verdana" panose="020B0604030504040204" pitchFamily="34" charset="0"/>
-                        <a:cs typeface="Verdana" panose="020B0604030504040204" pitchFamily="34" charset="0"/>
-                      </a:endParaRPr>
-                    </a:p>
-                    <a:p>
-                      <a:pPr marL="0" indent="0" algn="ctr">
-                        <a:lnSpc>
-                          <a:spcPct val="100000"/>
-                        </a:lnSpc>
-                      </a:pPr>
-                      <a:r>
-                        <a:rPr lang="en-US" sz="3600" dirty="0">
-                          <a:latin typeface="BentonSans-Book"/>
-                          <a:ea typeface="Verdana" panose="020B0604030504040204" pitchFamily="34" charset="0"/>
-                          <a:cs typeface="Verdana" panose="020B0604030504040204" pitchFamily="34" charset="0"/>
-                        </a:rPr>
-                        <a:t>Reduced sensitivity</a:t>
-                      </a:r>
-                    </a:p>
-                    <a:p>
-                      <a:pPr marL="400050" indent="-400050" algn="ctr">
-                        <a:lnSpc>
-                          <a:spcPct val="100000"/>
-                        </a:lnSpc>
-                        <a:tabLst>
-                          <a:tab pos="628650" algn="l"/>
-                        </a:tabLst>
-                      </a:pPr>
-                      <a:endParaRPr lang="en-US" sz="3600" dirty="0">
-                        <a:latin typeface="BentonSans-Book"/>
-                        <a:ea typeface="Verdana" panose="020B0604030504040204" pitchFamily="34" charset="0"/>
-                        <a:cs typeface="Verdana" panose="020B0604030504040204" pitchFamily="34" charset="0"/>
-                      </a:endParaRPr>
-                    </a:p>
-                    <a:p>
-                      <a:pPr marL="0" indent="0" algn="ctr">
-                        <a:lnSpc>
-                          <a:spcPct val="100000"/>
-                        </a:lnSpc>
-                        <a:tabLst>
-                          <a:tab pos="628650" algn="l"/>
-                        </a:tabLst>
-                      </a:pPr>
-                      <a:r>
-                        <a:rPr lang="en-US" sz="3600" dirty="0">
-                          <a:latin typeface="BentonSans-Book"/>
-                          <a:ea typeface="Verdana" panose="020B0604030504040204" pitchFamily="34" charset="0"/>
-                          <a:cs typeface="Verdana" panose="020B0604030504040204" pitchFamily="34" charset="0"/>
-                        </a:rPr>
-                        <a:t>Frequent         </a:t>
-                      </a:r>
-                      <a:r>
-                        <a:rPr lang="en-US" sz="3600" baseline="0" dirty="0">
-                          <a:latin typeface="BentonSans-Book"/>
-                          <a:ea typeface="Verdana" panose="020B0604030504040204" pitchFamily="34" charset="0"/>
-                          <a:cs typeface="Verdana" panose="020B0604030504040204" pitchFamily="34" charset="0"/>
-                        </a:rPr>
-                        <a:t> </a:t>
-                      </a:r>
-                      <a:r>
-                        <a:rPr lang="en-US" sz="3600" dirty="0">
-                          <a:latin typeface="BentonSans-Book"/>
-                          <a:ea typeface="Verdana" panose="020B0604030504040204" pitchFamily="34" charset="0"/>
-                          <a:cs typeface="Verdana" panose="020B0604030504040204" pitchFamily="34" charset="0"/>
-                        </a:rPr>
-                        <a:t>    calibration</a:t>
-                      </a:r>
-                    </a:p>
-                  </a:txBody>
-                  <a:tcPr>
-                    <a:lnL w="12700" cap="flat" cmpd="sng" algn="ctr">
-                      <a:noFill/>
-                      <a:prstDash val="solid"/>
-                      <a:round/>
-                      <a:headEnd type="none" w="med" len="med"/>
-                      <a:tailEnd type="none" w="med" len="med"/>
-                    </a:lnL>
-                    <a:lnR w="12700" cap="flat" cmpd="sng" algn="ctr">
-                      <a:noFill/>
-                      <a:prstDash val="solid"/>
-                      <a:round/>
-                      <a:headEnd type="none" w="med" len="med"/>
-                      <a:tailEnd type="none" w="med" len="med"/>
-                    </a:lnR>
-                    <a:lnT w="12700" cap="flat" cmpd="sng" algn="ctr">
-                      <a:noFill/>
-                      <a:prstDash val="solid"/>
-                      <a:round/>
-                      <a:headEnd type="none" w="med" len="med"/>
-                      <a:tailEnd type="none" w="med" len="med"/>
-                    </a:lnT>
-                    <a:lnB w="12700" cap="flat" cmpd="sng" algn="ctr">
-                      <a:solidFill>
-                        <a:schemeClr val="tx1"/>
-                      </a:solidFill>
-                      <a:prstDash val="solid"/>
-                      <a:round/>
-                      <a:headEnd type="none" w="med" len="med"/>
-                      <a:tailEnd type="none" w="med" len="med"/>
-                    </a:lnB>
-                    <a:lnTlToBr w="12700" cmpd="sng">
-                      <a:noFill/>
-                      <a:prstDash val="solid"/>
-                    </a:lnTlToBr>
-                    <a:lnBlToTr w="12700" cmpd="sng">
-                      <a:noFill/>
-                      <a:prstDash val="solid"/>
-                    </a:lnBlToTr>
-                    <a:solidFill>
-                      <a:schemeClr val="bg1"/>
-                    </a:solidFill>
-                  </a:tcPr>
-                </a:tc>
-                <a:tc>
-                  <a:txBody>
-                    <a:bodyPr/>
-                    <a:lstStyle/>
-                    <a:p>
-                      <a:pPr algn="ctr">
-                        <a:lnSpc>
-                          <a:spcPct val="100000"/>
-                        </a:lnSpc>
-                      </a:pPr>
-                      <a:r>
-                        <a:rPr lang="en-US" sz="3600" dirty="0">
-                          <a:latin typeface="BentonSans-Book"/>
-                          <a:ea typeface="Verdana" panose="020B0604030504040204" pitchFamily="34" charset="0"/>
-                          <a:cs typeface="Verdana" panose="020B0604030504040204" pitchFamily="34" charset="0"/>
-                        </a:rPr>
-                        <a:t>Low</a:t>
-                      </a:r>
-                      <a:r>
-                        <a:rPr lang="en-US" sz="3600" baseline="0" dirty="0">
-                          <a:latin typeface="BentonSans-Book"/>
-                          <a:ea typeface="Verdana" panose="020B0604030504040204" pitchFamily="34" charset="0"/>
-                          <a:cs typeface="Verdana" panose="020B0604030504040204" pitchFamily="34" charset="0"/>
-                        </a:rPr>
-                        <a:t> drift</a:t>
-                      </a:r>
-                    </a:p>
-                    <a:p>
-                      <a:pPr algn="ctr">
-                        <a:lnSpc>
-                          <a:spcPct val="100000"/>
-                        </a:lnSpc>
-                      </a:pPr>
-                      <a:endParaRPr lang="en-US" sz="3600" baseline="0" dirty="0">
-                        <a:latin typeface="BentonSans-Book"/>
-                        <a:ea typeface="Verdana" panose="020B0604030504040204" pitchFamily="34" charset="0"/>
-                        <a:cs typeface="Verdana" panose="020B0604030504040204" pitchFamily="34" charset="0"/>
-                      </a:endParaRPr>
-                    </a:p>
-                    <a:p>
-                      <a:pPr algn="ctr">
-                        <a:lnSpc>
-                          <a:spcPct val="100000"/>
-                        </a:lnSpc>
-                      </a:pPr>
-                      <a:r>
-                        <a:rPr lang="en-US" sz="3600" baseline="0" dirty="0">
-                          <a:latin typeface="BentonSans-Book"/>
-                          <a:ea typeface="Verdana" panose="020B0604030504040204" pitchFamily="34" charset="0"/>
-                          <a:cs typeface="Verdana" panose="020B0604030504040204" pitchFamily="34" charset="0"/>
-                        </a:rPr>
-                        <a:t>Accurate </a:t>
-                      </a:r>
-                    </a:p>
-                    <a:p>
-                      <a:pPr algn="ctr">
-                        <a:lnSpc>
-                          <a:spcPct val="100000"/>
-                        </a:lnSpc>
-                      </a:pPr>
-                      <a:endParaRPr lang="en-US" sz="3600" baseline="0" dirty="0">
-                        <a:latin typeface="BentonSans-Book"/>
-                        <a:ea typeface="Verdana" panose="020B0604030504040204" pitchFamily="34" charset="0"/>
-                        <a:cs typeface="Verdana" panose="020B0604030504040204" pitchFamily="34" charset="0"/>
-                      </a:endParaRPr>
-                    </a:p>
-                    <a:p>
-                      <a:pPr algn="ctr">
-                        <a:lnSpc>
-                          <a:spcPct val="100000"/>
-                        </a:lnSpc>
-                      </a:pPr>
-                      <a:r>
-                        <a:rPr lang="en-US" sz="3600" baseline="0" dirty="0">
-                          <a:latin typeface="BentonSans-Book"/>
-                          <a:ea typeface="Verdana" panose="020B0604030504040204" pitchFamily="34" charset="0"/>
-                          <a:cs typeface="Verdana" panose="020B0604030504040204" pitchFamily="34" charset="0"/>
-                        </a:rPr>
-                        <a:t>Sensitive</a:t>
-                      </a:r>
-                      <a:endParaRPr lang="en-US" sz="3600" dirty="0">
-                        <a:latin typeface="BentonSans-Book"/>
-                        <a:ea typeface="Verdana" panose="020B0604030504040204" pitchFamily="34" charset="0"/>
-                        <a:cs typeface="Verdana" panose="020B0604030504040204" pitchFamily="34" charset="0"/>
-                      </a:endParaRPr>
-                    </a:p>
-                  </a:txBody>
-                  <a:tcPr>
-                    <a:lnL w="12700" cap="flat" cmpd="sng" algn="ctr">
-                      <a:noFill/>
-                      <a:prstDash val="solid"/>
-                      <a:round/>
-                      <a:headEnd type="none" w="med" len="med"/>
-                      <a:tailEnd type="none" w="med" len="med"/>
-                    </a:lnL>
-                    <a:lnR w="12700" cap="flat" cmpd="sng" algn="ctr">
-                      <a:noFill/>
-                      <a:prstDash val="solid"/>
-                      <a:round/>
-                      <a:headEnd type="none" w="med" len="med"/>
-                      <a:tailEnd type="none" w="med" len="med"/>
-                    </a:lnR>
-                    <a:lnT w="12700" cap="flat" cmpd="sng" algn="ctr">
-                      <a:noFill/>
-                      <a:prstDash val="solid"/>
-                      <a:round/>
-                      <a:headEnd type="none" w="med" len="med"/>
-                      <a:tailEnd type="none" w="med" len="med"/>
-                    </a:lnT>
-                    <a:lnB w="12700" cap="flat" cmpd="sng" algn="ctr">
-                      <a:solidFill>
-                        <a:schemeClr val="tx1"/>
-                      </a:solidFill>
-                      <a:prstDash val="solid"/>
-                      <a:round/>
-                      <a:headEnd type="none" w="med" len="med"/>
-                      <a:tailEnd type="none" w="med" len="med"/>
-                    </a:lnB>
-                    <a:lnTlToBr w="12700" cmpd="sng">
-                      <a:noFill/>
-                      <a:prstDash val="solid"/>
-                    </a:lnTlToBr>
-                    <a:lnBlToTr w="12700" cmpd="sng">
-                      <a:noFill/>
-                      <a:prstDash val="solid"/>
-                    </a:lnBlToTr>
-                    <a:solidFill>
-                      <a:schemeClr val="bg1"/>
-                    </a:solidFill>
-                  </a:tcPr>
-                </a:tc>
-                <a:tc>
-                  <a:txBody>
-                    <a:bodyPr/>
-                    <a:lstStyle/>
-                    <a:p>
-                      <a:pPr algn="ctr">
-                        <a:lnSpc>
-                          <a:spcPct val="100000"/>
-                        </a:lnSpc>
-                      </a:pPr>
-                      <a:r>
-                        <a:rPr lang="en-US" sz="3600" dirty="0">
-                          <a:latin typeface="BentonSans-Book"/>
-                          <a:ea typeface="Verdana" panose="020B0604030504040204" pitchFamily="34" charset="0"/>
-                          <a:cs typeface="Verdana" panose="020B0604030504040204" pitchFamily="34" charset="0"/>
-                        </a:rPr>
-                        <a:t>Expensive</a:t>
-                      </a:r>
-                    </a:p>
-                    <a:p>
-                      <a:pPr algn="ctr">
-                        <a:lnSpc>
-                          <a:spcPct val="100000"/>
-                        </a:lnSpc>
-                      </a:pPr>
-                      <a:endParaRPr lang="en-US" sz="3600" dirty="0">
-                        <a:latin typeface="BentonSans-Book"/>
-                        <a:ea typeface="Verdana" panose="020B0604030504040204" pitchFamily="34" charset="0"/>
-                        <a:cs typeface="Verdana" panose="020B0604030504040204" pitchFamily="34" charset="0"/>
-                      </a:endParaRPr>
-                    </a:p>
-                    <a:p>
-                      <a:pPr algn="ctr">
-                        <a:lnSpc>
-                          <a:spcPct val="100000"/>
-                        </a:lnSpc>
-                      </a:pPr>
-                      <a:r>
-                        <a:rPr lang="en-US" sz="3600" dirty="0">
-                          <a:latin typeface="BentonSans-Book"/>
-                          <a:ea typeface="Verdana" panose="020B0604030504040204" pitchFamily="34" charset="0"/>
-                          <a:cs typeface="Verdana" panose="020B0604030504040204" pitchFamily="34" charset="0"/>
-                        </a:rPr>
-                        <a:t>Bulky</a:t>
-                      </a:r>
-                    </a:p>
-                    <a:p>
-                      <a:pPr algn="ctr">
-                        <a:lnSpc>
-                          <a:spcPct val="100000"/>
-                        </a:lnSpc>
-                      </a:pPr>
-                      <a:endParaRPr lang="en-US" sz="3600" dirty="0">
-                        <a:latin typeface="BentonSans-Book"/>
-                        <a:ea typeface="Verdana" panose="020B0604030504040204" pitchFamily="34" charset="0"/>
-                        <a:cs typeface="Verdana" panose="020B0604030504040204" pitchFamily="34" charset="0"/>
-                      </a:endParaRPr>
-                    </a:p>
-                    <a:p>
-                      <a:pPr algn="ctr">
-                        <a:lnSpc>
-                          <a:spcPct val="100000"/>
-                        </a:lnSpc>
-                      </a:pPr>
-                      <a:r>
-                        <a:rPr lang="en-US" sz="3600" dirty="0">
-                          <a:latin typeface="BentonSans-Book"/>
-                          <a:ea typeface="Verdana" panose="020B0604030504040204" pitchFamily="34" charset="0"/>
-                          <a:cs typeface="Verdana" panose="020B0604030504040204" pitchFamily="34" charset="0"/>
-                        </a:rPr>
-                        <a:t>High-power</a:t>
-                      </a:r>
-                    </a:p>
-                  </a:txBody>
-                  <a:tcPr>
-                    <a:lnL w="12700" cap="flat" cmpd="sng" algn="ctr">
-                      <a:noFill/>
-                      <a:prstDash val="solid"/>
-                      <a:round/>
-                      <a:headEnd type="none" w="med" len="med"/>
-                      <a:tailEnd type="none" w="med" len="med"/>
-                    </a:lnL>
-                    <a:lnR w="12700" cap="flat" cmpd="sng" algn="ctr">
-                      <a:solidFill>
-                        <a:schemeClr val="tx1"/>
-                      </a:solidFill>
-                      <a:prstDash val="solid"/>
-                      <a:round/>
-                      <a:headEnd type="none" w="med" len="med"/>
-                      <a:tailEnd type="none" w="med" len="med"/>
-                    </a:lnR>
-                    <a:lnT w="12700" cap="flat" cmpd="sng" algn="ctr">
-                      <a:noFill/>
-                      <a:prstDash val="solid"/>
-                      <a:round/>
-                      <a:headEnd type="none" w="med" len="med"/>
-                      <a:tailEnd type="none" w="med" len="med"/>
-                    </a:lnT>
-                    <a:lnB w="12700" cap="flat" cmpd="sng" algn="ctr">
-                      <a:solidFill>
-                        <a:schemeClr val="tx1"/>
-                      </a:solidFill>
-                      <a:prstDash val="solid"/>
-                      <a:round/>
-                      <a:headEnd type="none" w="med" len="med"/>
-                      <a:tailEnd type="none" w="med" len="med"/>
-                    </a:lnB>
-                    <a:lnTlToBr w="12700" cmpd="sng">
-                      <a:noFill/>
-                      <a:prstDash val="solid"/>
-                    </a:lnTlToBr>
-                    <a:lnBlToTr w="12700" cmpd="sng">
-                      <a:noFill/>
-                      <a:prstDash val="solid"/>
-                    </a:lnBlToTr>
-                    <a:solidFill>
-                      <a:schemeClr val="bg1"/>
-                    </a:solidFill>
-                  </a:tcPr>
-                </a:tc>
-                <a:extLst>
-                  <a:ext uri="{0D108BD9-81ED-4DB2-BD59-A6C34878D82A}">
-                    <a16:rowId xmlns:a16="http://schemas.microsoft.com/office/drawing/2014/main" val="1282020634"/>
-                  </a:ext>
-                </a:extLst>
-              </a:tr>
-            </a:tbl>
-          </a:graphicData>
-        </a:graphic>
-      </p:graphicFrame>
       <p:sp>
         <p:nvSpPr>
           <p:cNvPr id="80" name="Rectangle 79"/>
@@ -4528,30 +3644,6 @@
           </a:p>
         </p:txBody>
       </p:sp>
-      <p:pic>
-        <p:nvPicPr>
-          <p:cNvPr id="81" name="Picture 80"/>
-          <p:cNvPicPr>
-            <a:picLocks noChangeAspect="1"/>
-          </p:cNvPicPr>
-          <p:nvPr/>
-        </p:nvPicPr>
-        <p:blipFill>
-          <a:blip r:embed="rId4"/>
-          <a:stretch>
-            <a:fillRect/>
-          </a:stretch>
-        </p:blipFill>
-        <p:spPr>
-          <a:xfrm>
-            <a:off x="17729623" y="27395575"/>
-            <a:ext cx="4907359" cy="3680519"/>
-          </a:xfrm>
-          <a:prstGeom prst="rect">
-            <a:avLst/>
-          </a:prstGeom>
-        </p:spPr>
-      </p:pic>
       <p:cxnSp>
         <p:nvCxnSpPr>
           <p:cNvPr id="4" name="Straight Connector 3"/>
@@ -4590,47 +3682,6 @@
           </a:fontRef>
         </p:style>
       </p:cxnSp>
-      <p:pic>
-        <p:nvPicPr>
-          <p:cNvPr id="1026" name="Picture 2" descr="Image result for api ozone analyzer"/>
-          <p:cNvPicPr>
-            <a:picLocks noChangeAspect="1" noChangeArrowheads="1"/>
-          </p:cNvPicPr>
-          <p:nvPr/>
-        </p:nvPicPr>
-        <p:blipFill>
-          <a:blip r:embed="rId5">
-            <a:extLst>
-              <a:ext uri="{28A0092B-C50C-407E-A947-70E740481C1C}">
-                <a14:useLocalDpi xmlns:a14="http://schemas.microsoft.com/office/drawing/2010/main" val="0"/>
-              </a:ext>
-            </a:extLst>
-          </a:blip>
-          <a:srcRect/>
-          <a:stretch>
-            <a:fillRect/>
-          </a:stretch>
-        </p:blipFill>
-        <p:spPr bwMode="auto">
-          <a:xfrm>
-            <a:off x="24068069" y="27333703"/>
-            <a:ext cx="4644517" cy="3901394"/>
-          </a:xfrm>
-          <a:prstGeom prst="rect">
-            <a:avLst/>
-          </a:prstGeom>
-          <a:noFill/>
-          <a:extLst>
-            <a:ext uri="{909E8E84-426E-40DD-AFC4-6F175D3DCCD1}">
-              <a14:hiddenFill xmlns:a14="http://schemas.microsoft.com/office/drawing/2010/main">
-                <a:solidFill>
-                  <a:srgbClr val="FFFFFF"/>
-                </a:solidFill>
-              </a14:hiddenFill>
-            </a:ext>
-          </a:extLst>
-        </p:spPr>
-      </p:pic>
       <p:sp>
         <p:nvSpPr>
           <p:cNvPr id="13" name="Rectangle 12"/>
@@ -4696,101 +3747,62 @@
             <a:chExt cx="12263457" cy="9144000"/>
           </a:xfrm>
         </p:grpSpPr>
-        <p:grpSp>
-          <p:nvGrpSpPr>
-            <p:cNvPr id="73" name="Group 72"/>
-            <p:cNvGrpSpPr/>
+        <p:sp>
+          <p:nvSpPr>
+            <p:cNvPr id="65" name="Rectangle 64"/>
+            <p:cNvSpPr/>
             <p:nvPr/>
-          </p:nvGrpSpPr>
-          <p:grpSpPr>
+          </p:nvSpPr>
+          <p:spPr>
             <a:xfrm>
               <a:off x="30523214" y="5340684"/>
               <a:ext cx="12230100" cy="9104244"/>
-              <a:chOff x="30271356" y="5220192"/>
-              <a:chExt cx="11805558" cy="8364239"/>
             </a:xfrm>
-          </p:grpSpPr>
-          <p:sp>
-            <p:nvSpPr>
-              <p:cNvPr id="65" name="Rectangle 64"/>
-              <p:cNvSpPr/>
-              <p:nvPr/>
-            </p:nvSpPr>
-            <p:spPr>
-              <a:xfrm>
-                <a:off x="30271356" y="5220192"/>
-                <a:ext cx="11805558" cy="8364239"/>
-              </a:xfrm>
-              <a:prstGeom prst="rect">
+            <a:prstGeom prst="rect">
+              <a:avLst/>
+            </a:prstGeom>
+            <a:noFill/>
+            <a:ln w="190500">
+              <a:solidFill>
+                <a:srgbClr val="008543"/>
+              </a:solidFill>
+            </a:ln>
+          </p:spPr>
+          <p:style>
+            <a:lnRef idx="2">
+              <a:schemeClr val="accent1">
+                <a:shade val="50000"/>
+              </a:schemeClr>
+            </a:lnRef>
+            <a:fillRef idx="1">
+              <a:schemeClr val="accent1"/>
+            </a:fillRef>
+            <a:effectRef idx="0">
+              <a:schemeClr val="accent1"/>
+            </a:effectRef>
+            <a:fontRef idx="minor">
+              <a:schemeClr val="lt1"/>
+            </a:fontRef>
+          </p:style>
+          <p:txBody>
+            <a:bodyPr rot="0" spcFirstLastPara="0" vertOverflow="overflow" horzOverflow="overflow" vert="horz" wrap="square" lIns="457200" tIns="45720" rIns="457200" bIns="45720" numCol="1" spcCol="0" rtlCol="0" fromWordArt="0" anchor="ctr" anchorCtr="0" forceAA="0" compatLnSpc="1">
+              <a:prstTxWarp prst="textNoShape">
                 <a:avLst/>
-              </a:prstGeom>
-              <a:noFill/>
-              <a:ln w="190500">
+              </a:prstTxWarp>
+              <a:noAutofit/>
+            </a:bodyPr>
+            <a:lstStyle/>
+            <a:p>
+              <a:pPr algn="just"/>
+              <a:endParaRPr lang="en-US" sz="4400" dirty="0">
                 <a:solidFill>
-                  <a:srgbClr val="008543"/>
+                  <a:srgbClr val="000000"/>
                 </a:solidFill>
-              </a:ln>
-            </p:spPr>
-            <p:style>
-              <a:lnRef idx="2">
-                <a:schemeClr val="accent1">
-                  <a:shade val="50000"/>
-                </a:schemeClr>
-              </a:lnRef>
-              <a:fillRef idx="1">
-                <a:schemeClr val="accent1"/>
-              </a:fillRef>
-              <a:effectRef idx="0">
-                <a:schemeClr val="accent1"/>
-              </a:effectRef>
-              <a:fontRef idx="minor">
-                <a:schemeClr val="lt1"/>
-              </a:fontRef>
-            </p:style>
-            <p:txBody>
-              <a:bodyPr rot="0" spcFirstLastPara="0" vertOverflow="overflow" horzOverflow="overflow" vert="horz" wrap="square" lIns="457200" tIns="45720" rIns="457200" bIns="45720" numCol="1" spcCol="0" rtlCol="0" fromWordArt="0" anchor="ctr" anchorCtr="0" forceAA="0" compatLnSpc="1">
-                <a:prstTxWarp prst="textNoShape">
-                  <a:avLst/>
-                </a:prstTxWarp>
-                <a:noAutofit/>
-              </a:bodyPr>
-              <a:lstStyle/>
-              <a:p>
-                <a:pPr algn="just"/>
-                <a:endParaRPr lang="en-US" sz="4400" dirty="0">
-                  <a:solidFill>
-                    <a:srgbClr val="000000"/>
-                  </a:solidFill>
-                  <a:latin typeface="BentonSans-Book"/>
-                </a:endParaRPr>
-              </a:p>
-            </p:txBody>
-          </p:sp>
-          <p:pic>
-            <p:nvPicPr>
-              <p:cNvPr id="70" name="Picture 69"/>
-              <p:cNvPicPr>
-                <a:picLocks noChangeAspect="1"/>
-              </p:cNvPicPr>
-              <p:nvPr/>
-            </p:nvPicPr>
-            <p:blipFill>
-              <a:blip r:embed="rId6"/>
-              <a:stretch>
-                <a:fillRect/>
-              </a:stretch>
-            </p:blipFill>
-            <p:spPr>
-              <a:xfrm>
-                <a:off x="30330439" y="5256795"/>
-                <a:ext cx="11746475" cy="8327636"/>
-              </a:xfrm>
-              <a:prstGeom prst="rect">
-                <a:avLst/>
-              </a:prstGeom>
-            </p:spPr>
-          </p:pic>
-        </p:grpSp>
+                <a:latin typeface="BentonSans-Book"/>
+              </a:endParaRPr>
+            </a:p>
+          </p:txBody>
+        </p:sp>
         <p:sp>
           <p:nvSpPr>
             <p:cNvPr id="40" name="Rectangle 39"/>
@@ -4838,20 +3850,17 @@
             <a:lstStyle/>
             <a:p>
               <a:pPr algn="ctr"/>
-              <a:r>
-                <a:rPr lang="en-US" sz="4400" dirty="0">
-                  <a:solidFill>
-                    <a:schemeClr val="tx1">
-                      <a:lumMod val="50000"/>
-                      <a:lumOff val="50000"/>
-                    </a:schemeClr>
-                  </a:solidFill>
-                  <a:latin typeface="Verdana" panose="020B0604030504040204" pitchFamily="34" charset="0"/>
-                  <a:ea typeface="Verdana" panose="020B0604030504040204" pitchFamily="34" charset="0"/>
-                  <a:cs typeface="Verdana" panose="020B0604030504040204" pitchFamily="34" charset="0"/>
-                </a:rPr>
-                <a:t>MQ-131 and EPA-Ref</a:t>
-              </a:r>
+              <a:endParaRPr lang="en-US" sz="4400" dirty="0">
+                <a:solidFill>
+                  <a:schemeClr val="tx1">
+                    <a:lumMod val="50000"/>
+                    <a:lumOff val="50000"/>
+                  </a:schemeClr>
+                </a:solidFill>
+                <a:latin typeface="Verdana" panose="020B0604030504040204" pitchFamily="34" charset="0"/>
+                <a:ea typeface="Verdana" panose="020B0604030504040204" pitchFamily="34" charset="0"/>
+                <a:cs typeface="Verdana" panose="020B0604030504040204" pitchFamily="34" charset="0"/>
+              </a:endParaRPr>
             </a:p>
           </p:txBody>
         </p:sp>
@@ -4914,7 +3923,7 @@
                 <a:ea typeface="Verdana" panose="020B0604030504040204" pitchFamily="34" charset="0"/>
                 <a:cs typeface="Verdana" panose="020B0604030504040204" pitchFamily="34" charset="0"/>
               </a:rPr>
-              <a:t>MQ-131 vs. EPA-Ref</a:t>
+              <a:t>MLM Pre-training</a:t>
             </a:r>
           </a:p>
         </p:txBody>
@@ -4934,7 +3943,7 @@
           <p:nvPr/>
         </p:nvPicPr>
         <p:blipFill rotWithShape="1">
-          <a:blip r:embed="rId7">
+          <a:blip r:embed="rId4">
             <a:extLst>
               <a:ext uri="{28A0092B-C50C-407E-A947-70E740481C1C}">
                 <a14:useLocalDpi xmlns:a14="http://schemas.microsoft.com/office/drawing/2010/main" val="0"/>
@@ -4954,6 +3963,294 @@
           </a:prstGeom>
         </p:spPr>
       </p:pic>
+      <p:sp>
+        <p:nvSpPr>
+          <p:cNvPr id="31" name="Rectangle 30">
+            <a:extLst>
+              <a:ext uri="{FF2B5EF4-FFF2-40B4-BE49-F238E27FC236}">
+                <a16:creationId xmlns:a16="http://schemas.microsoft.com/office/drawing/2014/main" id="{0F632DE8-BF28-4DF8-8A58-8D0250A65206}"/>
+              </a:ext>
+            </a:extLst>
+          </p:cNvPr>
+          <p:cNvSpPr/>
+          <p:nvPr/>
+        </p:nvSpPr>
+        <p:spPr>
+          <a:xfrm>
+            <a:off x="30194010" y="5522615"/>
+            <a:ext cx="12095023" cy="1894939"/>
+          </a:xfrm>
+          <a:prstGeom prst="rect">
+            <a:avLst/>
+          </a:prstGeom>
+          <a:solidFill>
+            <a:srgbClr val="008543"/>
+          </a:solidFill>
+          <a:ln w="190500">
+            <a:solidFill>
+              <a:srgbClr val="008543"/>
+            </a:solidFill>
+          </a:ln>
+        </p:spPr>
+        <p:style>
+          <a:lnRef idx="2">
+            <a:schemeClr val="accent1">
+              <a:shade val="50000"/>
+            </a:schemeClr>
+          </a:lnRef>
+          <a:fillRef idx="1">
+            <a:schemeClr val="accent1"/>
+          </a:fillRef>
+          <a:effectRef idx="0">
+            <a:schemeClr val="accent1"/>
+          </a:effectRef>
+          <a:fontRef idx="minor">
+            <a:schemeClr val="lt1"/>
+          </a:fontRef>
+        </p:style>
+        <p:txBody>
+          <a:bodyPr rot="0" spcFirstLastPara="0" vertOverflow="overflow" horzOverflow="overflow" vert="horz" wrap="square" lIns="457200" tIns="45720" rIns="457200" bIns="45720" numCol="1" spcCol="0" rtlCol="0" fromWordArt="0" anchor="ctr" anchorCtr="0" forceAA="0" compatLnSpc="1">
+            <a:prstTxWarp prst="textNoShape">
+              <a:avLst/>
+            </a:prstTxWarp>
+            <a:noAutofit/>
+          </a:bodyPr>
+          <a:lstStyle/>
+          <a:p>
+            <a:pPr algn="ctr"/>
+            <a:r>
+              <a:rPr lang="en-US" sz="7200" dirty="0">
+                <a:solidFill>
+                  <a:schemeClr val="bg1"/>
+                </a:solidFill>
+                <a:latin typeface="Verdana" panose="020B0604030504040204" pitchFamily="34" charset="0"/>
+                <a:ea typeface="Verdana" panose="020B0604030504040204" pitchFamily="34" charset="0"/>
+                <a:cs typeface="Verdana" panose="020B0604030504040204" pitchFamily="34" charset="0"/>
+              </a:rPr>
+              <a:t>Sentence Embedding</a:t>
+            </a:r>
+          </a:p>
+        </p:txBody>
+      </p:sp>
+      <p:grpSp>
+        <p:nvGrpSpPr>
+          <p:cNvPr id="33" name="Group 32">
+            <a:extLst>
+              <a:ext uri="{FF2B5EF4-FFF2-40B4-BE49-F238E27FC236}">
+                <a16:creationId xmlns:a16="http://schemas.microsoft.com/office/drawing/2014/main" id="{952C4D9B-C824-464E-A294-3075B05749F7}"/>
+              </a:ext>
+            </a:extLst>
+          </p:cNvPr>
+          <p:cNvGrpSpPr/>
+          <p:nvPr/>
+        </p:nvGrpSpPr>
+        <p:grpSpPr>
+          <a:xfrm>
+            <a:off x="30126701" y="15964448"/>
+            <a:ext cx="12263457" cy="9144000"/>
+            <a:chOff x="30489857" y="5340684"/>
+            <a:chExt cx="12263457" cy="9144000"/>
+          </a:xfrm>
+        </p:grpSpPr>
+        <p:sp>
+          <p:nvSpPr>
+            <p:cNvPr id="34" name="Rectangle 33">
+              <a:extLst>
+                <a:ext uri="{FF2B5EF4-FFF2-40B4-BE49-F238E27FC236}">
+                  <a16:creationId xmlns:a16="http://schemas.microsoft.com/office/drawing/2014/main" id="{F65CD61F-7E6F-44D8-96DE-1AF6A9950016}"/>
+                </a:ext>
+              </a:extLst>
+            </p:cNvPr>
+            <p:cNvSpPr/>
+            <p:nvPr/>
+          </p:nvSpPr>
+          <p:spPr>
+            <a:xfrm>
+              <a:off x="30523214" y="5340684"/>
+              <a:ext cx="12230100" cy="9104244"/>
+            </a:xfrm>
+            <a:prstGeom prst="rect">
+              <a:avLst/>
+            </a:prstGeom>
+            <a:noFill/>
+            <a:ln w="190500">
+              <a:solidFill>
+                <a:srgbClr val="008543"/>
+              </a:solidFill>
+            </a:ln>
+          </p:spPr>
+          <p:style>
+            <a:lnRef idx="2">
+              <a:schemeClr val="accent1">
+                <a:shade val="50000"/>
+              </a:schemeClr>
+            </a:lnRef>
+            <a:fillRef idx="1">
+              <a:schemeClr val="accent1"/>
+            </a:fillRef>
+            <a:effectRef idx="0">
+              <a:schemeClr val="accent1"/>
+            </a:effectRef>
+            <a:fontRef idx="minor">
+              <a:schemeClr val="lt1"/>
+            </a:fontRef>
+          </p:style>
+          <p:txBody>
+            <a:bodyPr rot="0" spcFirstLastPara="0" vertOverflow="overflow" horzOverflow="overflow" vert="horz" wrap="square" lIns="457200" tIns="45720" rIns="457200" bIns="45720" numCol="1" spcCol="0" rtlCol="0" fromWordArt="0" anchor="ctr" anchorCtr="0" forceAA="0" compatLnSpc="1">
+              <a:prstTxWarp prst="textNoShape">
+                <a:avLst/>
+              </a:prstTxWarp>
+              <a:noAutofit/>
+            </a:bodyPr>
+            <a:lstStyle/>
+            <a:p>
+              <a:pPr algn="just"/>
+              <a:endParaRPr lang="en-US" sz="4400" dirty="0">
+                <a:solidFill>
+                  <a:srgbClr val="000000"/>
+                </a:solidFill>
+                <a:latin typeface="BentonSans-Book"/>
+              </a:endParaRPr>
+            </a:p>
+          </p:txBody>
+        </p:sp>
+        <p:sp>
+          <p:nvSpPr>
+            <p:cNvPr id="35" name="Rectangle 34">
+              <a:extLst>
+                <a:ext uri="{FF2B5EF4-FFF2-40B4-BE49-F238E27FC236}">
+                  <a16:creationId xmlns:a16="http://schemas.microsoft.com/office/drawing/2014/main" id="{43CE6EE9-901C-464C-880E-90DAF0B51B42}"/>
+                </a:ext>
+              </a:extLst>
+            </p:cNvPr>
+            <p:cNvSpPr/>
+            <p:nvPr/>
+          </p:nvSpPr>
+          <p:spPr>
+            <a:xfrm>
+              <a:off x="30489857" y="5380440"/>
+              <a:ext cx="12230100" cy="9104244"/>
+            </a:xfrm>
+            <a:prstGeom prst="rect">
+              <a:avLst/>
+            </a:prstGeom>
+            <a:noFill/>
+            <a:ln w="190500">
+              <a:solidFill>
+                <a:srgbClr val="008543"/>
+              </a:solidFill>
+            </a:ln>
+          </p:spPr>
+          <p:style>
+            <a:lnRef idx="2">
+              <a:schemeClr val="accent1">
+                <a:shade val="50000"/>
+              </a:schemeClr>
+            </a:lnRef>
+            <a:fillRef idx="1">
+              <a:schemeClr val="accent1"/>
+            </a:fillRef>
+            <a:effectRef idx="0">
+              <a:schemeClr val="accent1"/>
+            </a:effectRef>
+            <a:fontRef idx="minor">
+              <a:schemeClr val="lt1"/>
+            </a:fontRef>
+          </p:style>
+          <p:txBody>
+            <a:bodyPr rot="0" spcFirstLastPara="0" vertOverflow="overflow" horzOverflow="overflow" vert="horz" wrap="square" lIns="457200" tIns="45720" rIns="457200" bIns="45720" numCol="1" spcCol="0" rtlCol="0" fromWordArt="0" anchor="t" anchorCtr="0" forceAA="0" compatLnSpc="1">
+              <a:prstTxWarp prst="textNoShape">
+                <a:avLst/>
+              </a:prstTxWarp>
+              <a:noAutofit/>
+            </a:bodyPr>
+            <a:lstStyle/>
+            <a:p>
+              <a:pPr algn="ctr"/>
+              <a:endParaRPr lang="en-US" sz="4400" dirty="0">
+                <a:solidFill>
+                  <a:schemeClr val="tx1">
+                    <a:lumMod val="50000"/>
+                    <a:lumOff val="50000"/>
+                  </a:schemeClr>
+                </a:solidFill>
+                <a:latin typeface="Verdana" panose="020B0604030504040204" pitchFamily="34" charset="0"/>
+                <a:ea typeface="Verdana" panose="020B0604030504040204" pitchFamily="34" charset="0"/>
+                <a:cs typeface="Verdana" panose="020B0604030504040204" pitchFamily="34" charset="0"/>
+              </a:endParaRPr>
+            </a:p>
+          </p:txBody>
+        </p:sp>
+      </p:grpSp>
+      <p:sp>
+        <p:nvSpPr>
+          <p:cNvPr id="36" name="Rectangle 35">
+            <a:extLst>
+              <a:ext uri="{FF2B5EF4-FFF2-40B4-BE49-F238E27FC236}">
+                <a16:creationId xmlns:a16="http://schemas.microsoft.com/office/drawing/2014/main" id="{E120940C-66EA-4F83-A9A5-9CA3F8E29090}"/>
+              </a:ext>
+            </a:extLst>
+          </p:cNvPr>
+          <p:cNvSpPr/>
+          <p:nvPr/>
+        </p:nvSpPr>
+        <p:spPr>
+          <a:xfrm>
+            <a:off x="30228422" y="16146379"/>
+            <a:ext cx="12095023" cy="1894939"/>
+          </a:xfrm>
+          <a:prstGeom prst="rect">
+            <a:avLst/>
+          </a:prstGeom>
+          <a:solidFill>
+            <a:srgbClr val="008543"/>
+          </a:solidFill>
+          <a:ln w="190500">
+            <a:solidFill>
+              <a:srgbClr val="008543"/>
+            </a:solidFill>
+          </a:ln>
+        </p:spPr>
+        <p:style>
+          <a:lnRef idx="2">
+            <a:schemeClr val="accent1">
+              <a:shade val="50000"/>
+            </a:schemeClr>
+          </a:lnRef>
+          <a:fillRef idx="1">
+            <a:schemeClr val="accent1"/>
+          </a:fillRef>
+          <a:effectRef idx="0">
+            <a:schemeClr val="accent1"/>
+          </a:effectRef>
+          <a:fontRef idx="minor">
+            <a:schemeClr val="lt1"/>
+          </a:fontRef>
+        </p:style>
+        <p:txBody>
+          <a:bodyPr rot="0" spcFirstLastPara="0" vertOverflow="overflow" horzOverflow="overflow" vert="horz" wrap="square" lIns="457200" tIns="45720" rIns="457200" bIns="45720" numCol="1" spcCol="0" rtlCol="0" fromWordArt="0" anchor="ctr" anchorCtr="0" forceAA="0" compatLnSpc="1">
+            <a:prstTxWarp prst="textNoShape">
+              <a:avLst/>
+            </a:prstTxWarp>
+            <a:noAutofit/>
+          </a:bodyPr>
+          <a:lstStyle/>
+          <a:p>
+            <a:pPr algn="ctr"/>
+            <a:r>
+              <a:rPr lang="en-US" sz="7200" dirty="0">
+                <a:solidFill>
+                  <a:schemeClr val="bg1"/>
+                </a:solidFill>
+                <a:latin typeface="Verdana" panose="020B0604030504040204" pitchFamily="34" charset="0"/>
+                <a:ea typeface="Verdana" panose="020B0604030504040204" pitchFamily="34" charset="0"/>
+                <a:cs typeface="Verdana" panose="020B0604030504040204" pitchFamily="34" charset="0"/>
+              </a:rPr>
+              <a:t>Predicting the Perp</a:t>
+            </a:r>
+          </a:p>
+        </p:txBody>
+      </p:sp>
     </p:spTree>
     <p:extLst>
       <p:ext uri="{BB962C8B-B14F-4D97-AF65-F5344CB8AC3E}">
